--- a/MC302.pptx
+++ b/MC302.pptx
@@ -106,6 +106,11 @@
       </a:defRPr>
     </a:lvl9pPr>
   </p:defaultTextStyle>
+  <p:extLst>
+    <p:ext uri="{EFAFB233-063F-42B5-8137-9DF3F51BA10A}">
+      <p15:sldGuideLst xmlns:p15="http://schemas.microsoft.com/office/powerpoint/2012/main"/>
+    </p:ext>
+  </p:extLst>
 </p:presentation>
 </file>
 
@@ -240,7 +245,7 @@
           <a:p>
             <a:fld id="{8010B8B4-2EE8-4B6C-9B6D-963FF811F457}" type="datetimeFigureOut">
               <a:rPr lang="pt-BR" smtClean="0"/>
-              <a:t>23/03/2015</a:t>
+              <a:t>24/03/2015</a:t>
             </a:fld>
             <a:endParaRPr lang="pt-BR"/>
           </a:p>
@@ -410,7 +415,7 @@
           <a:p>
             <a:fld id="{8010B8B4-2EE8-4B6C-9B6D-963FF811F457}" type="datetimeFigureOut">
               <a:rPr lang="pt-BR" smtClean="0"/>
-              <a:t>23/03/2015</a:t>
+              <a:t>24/03/2015</a:t>
             </a:fld>
             <a:endParaRPr lang="pt-BR"/>
           </a:p>
@@ -590,7 +595,7 @@
           <a:p>
             <a:fld id="{8010B8B4-2EE8-4B6C-9B6D-963FF811F457}" type="datetimeFigureOut">
               <a:rPr lang="pt-BR" smtClean="0"/>
-              <a:t>23/03/2015</a:t>
+              <a:t>24/03/2015</a:t>
             </a:fld>
             <a:endParaRPr lang="pt-BR"/>
           </a:p>
@@ -760,7 +765,7 @@
           <a:p>
             <a:fld id="{8010B8B4-2EE8-4B6C-9B6D-963FF811F457}" type="datetimeFigureOut">
               <a:rPr lang="pt-BR" smtClean="0"/>
-              <a:t>23/03/2015</a:t>
+              <a:t>24/03/2015</a:t>
             </a:fld>
             <a:endParaRPr lang="pt-BR"/>
           </a:p>
@@ -1006,7 +1011,7 @@
           <a:p>
             <a:fld id="{8010B8B4-2EE8-4B6C-9B6D-963FF811F457}" type="datetimeFigureOut">
               <a:rPr lang="pt-BR" smtClean="0"/>
-              <a:t>23/03/2015</a:t>
+              <a:t>24/03/2015</a:t>
             </a:fld>
             <a:endParaRPr lang="pt-BR"/>
           </a:p>
@@ -1238,7 +1243,7 @@
           <a:p>
             <a:fld id="{8010B8B4-2EE8-4B6C-9B6D-963FF811F457}" type="datetimeFigureOut">
               <a:rPr lang="pt-BR" smtClean="0"/>
-              <a:t>23/03/2015</a:t>
+              <a:t>24/03/2015</a:t>
             </a:fld>
             <a:endParaRPr lang="pt-BR"/>
           </a:p>
@@ -1605,7 +1610,7 @@
           <a:p>
             <a:fld id="{8010B8B4-2EE8-4B6C-9B6D-963FF811F457}" type="datetimeFigureOut">
               <a:rPr lang="pt-BR" smtClean="0"/>
-              <a:t>23/03/2015</a:t>
+              <a:t>24/03/2015</a:t>
             </a:fld>
             <a:endParaRPr lang="pt-BR"/>
           </a:p>
@@ -1723,7 +1728,7 @@
           <a:p>
             <a:fld id="{8010B8B4-2EE8-4B6C-9B6D-963FF811F457}" type="datetimeFigureOut">
               <a:rPr lang="pt-BR" smtClean="0"/>
-              <a:t>23/03/2015</a:t>
+              <a:t>24/03/2015</a:t>
             </a:fld>
             <a:endParaRPr lang="pt-BR"/>
           </a:p>
@@ -1818,7 +1823,7 @@
           <a:p>
             <a:fld id="{8010B8B4-2EE8-4B6C-9B6D-963FF811F457}" type="datetimeFigureOut">
               <a:rPr lang="pt-BR" smtClean="0"/>
-              <a:t>23/03/2015</a:t>
+              <a:t>24/03/2015</a:t>
             </a:fld>
             <a:endParaRPr lang="pt-BR"/>
           </a:p>
@@ -2095,7 +2100,7 @@
           <a:p>
             <a:fld id="{8010B8B4-2EE8-4B6C-9B6D-963FF811F457}" type="datetimeFigureOut">
               <a:rPr lang="pt-BR" smtClean="0"/>
-              <a:t>23/03/2015</a:t>
+              <a:t>24/03/2015</a:t>
             </a:fld>
             <a:endParaRPr lang="pt-BR"/>
           </a:p>
@@ -2348,7 +2353,7 @@
           <a:p>
             <a:fld id="{8010B8B4-2EE8-4B6C-9B6D-963FF811F457}" type="datetimeFigureOut">
               <a:rPr lang="pt-BR" smtClean="0"/>
-              <a:t>23/03/2015</a:t>
+              <a:t>24/03/2015</a:t>
             </a:fld>
             <a:endParaRPr lang="pt-BR"/>
           </a:p>
@@ -2561,7 +2566,7 @@
           <a:p>
             <a:fld id="{8010B8B4-2EE8-4B6C-9B6D-963FF811F457}" type="datetimeFigureOut">
               <a:rPr lang="pt-BR" smtClean="0"/>
-              <a:t>23/03/2015</a:t>
+              <a:t>24/03/2015</a:t>
             </a:fld>
             <a:endParaRPr lang="pt-BR"/>
           </a:p>

--- a/MC302.pptx
+++ b/MC302.pptx
@@ -3094,6 +3094,56 @@
                 <a:schemeClr val="bg1"/>
               </a:solidFill>
               <a:latin typeface="Baskerville Old Face" panose="02020602080505020303" pitchFamily="18" charset="0"/>
+            </a:endParaRPr>
+          </a:p>
+        </p:txBody>
+      </p:sp>
+      <p:sp>
+        <p:nvSpPr>
+          <p:cNvPr id="2" name="CaixaDeTexto 1"/>
+          <p:cNvSpPr txBox="1"/>
+          <p:nvPr/>
+        </p:nvSpPr>
+        <p:spPr>
+          <a:xfrm>
+            <a:off x="928467" y="5697415"/>
+            <a:ext cx="7090117" cy="923330"/>
+          </a:xfrm>
+          <a:prstGeom prst="rect">
+            <a:avLst/>
+          </a:prstGeom>
+          <a:noFill/>
+        </p:spPr>
+        <p:txBody>
+          <a:bodyPr wrap="square" rtlCol="0">
+            <a:spAutoFit/>
+          </a:bodyPr>
+          <a:lstStyle/>
+          <a:p>
+            <a:r>
+              <a:rPr lang="pt-BR" dirty="0" smtClean="0">
+                <a:solidFill>
+                  <a:schemeClr val="bg1"/>
+                </a:solidFill>
+              </a:rPr>
+              <a:t>Luiz Fernando Rodrigues da Fonseca - RA: 156475 - Turma A</a:t>
+            </a:r>
+          </a:p>
+          <a:p>
+            <a:r>
+              <a:rPr lang="pt-BR" dirty="0" smtClean="0">
+                <a:solidFill>
+                  <a:schemeClr val="bg1"/>
+                </a:solidFill>
+              </a:rPr>
+              <a:t>Lucas Alves Racoci - RA: 156331 - Turma B</a:t>
+            </a:r>
+          </a:p>
+          <a:p>
+            <a:endParaRPr lang="pt-BR" dirty="0">
+              <a:solidFill>
+                <a:schemeClr val="bg1"/>
+              </a:solidFill>
             </a:endParaRPr>
           </a:p>
         </p:txBody>
